--- a/project/01. machine learning/자료/더 이상 미룰 수 없는 초저출산 극복.pptx
+++ b/project/01. machine learning/자료/더 이상 미룰 수 없는 초저출산 극복.pptx
@@ -5,7 +5,7 @@
     <p:sldMasterId id="2147483648" r:id="rId1"/>
   </p:sldMasterIdLst>
   <p:handoutMasterIdLst>
-    <p:handoutMasterId r:id="rId16"/>
+    <p:handoutMasterId r:id="rId15"/>
   </p:handoutMasterIdLst>
   <p:sldIdLst>
     <p:sldId id="256" r:id="rId2"/>
@@ -16,12 +16,11 @@
     <p:sldId id="273" r:id="rId7"/>
     <p:sldId id="274" r:id="rId8"/>
     <p:sldId id="281" r:id="rId9"/>
-    <p:sldId id="275" r:id="rId10"/>
-    <p:sldId id="276" r:id="rId11"/>
-    <p:sldId id="277" r:id="rId12"/>
-    <p:sldId id="278" r:id="rId13"/>
-    <p:sldId id="279" r:id="rId14"/>
-    <p:sldId id="280" r:id="rId15"/>
+    <p:sldId id="283" r:id="rId10"/>
+    <p:sldId id="284" r:id="rId11"/>
+    <p:sldId id="285" r:id="rId12"/>
+    <p:sldId id="276" r:id="rId13"/>
+    <p:sldId id="280" r:id="rId14"/>
   </p:sldIdLst>
   <p:sldSz cx="12192000" cy="6858000"/>
   <p:notesSz cx="6858000" cy="9144000"/>
@@ -1369,6 +1368,342 @@
         <p:spPr>
           <a:xfrm>
             <a:off x="561593" y="157279"/>
+            <a:ext cx="1175322" cy="523220"/>
+          </a:xfrm>
+          <a:prstGeom prst="rect">
+            <a:avLst/>
+          </a:prstGeom>
+          <a:noFill/>
+        </p:spPr>
+        <p:txBody>
+          <a:bodyPr wrap="none" rtlCol="0">
+            <a:spAutoFit/>
+          </a:bodyPr>
+          <a:lstStyle/>
+          <a:p>
+            <a:r>
+              <a:rPr lang="ko-KR" altLang="en-US" sz="2800" b="1" dirty="0">
+                <a:latin typeface="Noto Sans KR SemiBold" panose="020B0200000000000000" pitchFamily="50" charset="-127"/>
+                <a:ea typeface="Noto Sans KR SemiBold" panose="020B0200000000000000" pitchFamily="50" charset="-127"/>
+                <a:cs typeface="Segoe UI" panose="020B0502040204020203" pitchFamily="34" charset="0"/>
+              </a:rPr>
+              <a:t>모델링</a:t>
+            </a:r>
+          </a:p>
+        </p:txBody>
+      </p:sp>
+      <p:grpSp>
+        <p:nvGrpSpPr>
+          <p:cNvPr id="4" name="그룹 3">
+            <a:extLst>
+              <a:ext uri="{FF2B5EF4-FFF2-40B4-BE49-F238E27FC236}">
+                <a16:creationId xmlns:a16="http://schemas.microsoft.com/office/drawing/2014/main" id="{CE264E92-BA4B-4956-848B-506BC6EDA77C}"/>
+              </a:ext>
+            </a:extLst>
+          </p:cNvPr>
+          <p:cNvGrpSpPr/>
+          <p:nvPr/>
+        </p:nvGrpSpPr>
+        <p:grpSpPr>
+          <a:xfrm>
+            <a:off x="761050" y="1238724"/>
+            <a:ext cx="3337926" cy="461665"/>
+            <a:chOff x="645277" y="1465416"/>
+            <a:chExt cx="3337926" cy="461665"/>
+          </a:xfrm>
+        </p:grpSpPr>
+        <p:sp>
+          <p:nvSpPr>
+            <p:cNvPr id="5" name="TextBox 4">
+              <a:extLst>
+                <a:ext uri="{FF2B5EF4-FFF2-40B4-BE49-F238E27FC236}">
+                  <a16:creationId xmlns:a16="http://schemas.microsoft.com/office/drawing/2014/main" id="{8E99963D-3D5D-4F3F-B5EB-A95B3AD23D41}"/>
+                </a:ext>
+              </a:extLst>
+            </p:cNvPr>
+            <p:cNvSpPr txBox="1"/>
+            <p:nvPr/>
+          </p:nvSpPr>
+          <p:spPr>
+            <a:xfrm>
+              <a:off x="1038166" y="1465416"/>
+              <a:ext cx="2945037" cy="461665"/>
+            </a:xfrm>
+            <a:prstGeom prst="rect">
+              <a:avLst/>
+            </a:prstGeom>
+            <a:noFill/>
+          </p:spPr>
+          <p:txBody>
+            <a:bodyPr wrap="none" rtlCol="0">
+              <a:spAutoFit/>
+            </a:bodyPr>
+            <a:lstStyle/>
+            <a:p>
+              <a:r>
+                <a:rPr lang="ko-KR" altLang="en-US" sz="2400" b="1" dirty="0">
+                  <a:solidFill>
+                    <a:schemeClr val="bg1"/>
+                  </a:solidFill>
+                  <a:latin typeface="Noto Sans KR SemiBold" panose="020B0200000000000000" pitchFamily="50" charset="-127"/>
+                  <a:ea typeface="Noto Sans KR SemiBold" panose="020B0200000000000000" pitchFamily="50" charset="-127"/>
+                  <a:cs typeface="Segoe UI" panose="020B0502040204020203" pitchFamily="34" charset="0"/>
+                </a:rPr>
+                <a:t>변수에 따른 모델 선정</a:t>
+              </a:r>
+            </a:p>
+          </p:txBody>
+        </p:sp>
+        <p:pic>
+          <p:nvPicPr>
+            <p:cNvPr id="6" name="그림 5">
+              <a:extLst>
+                <a:ext uri="{FF2B5EF4-FFF2-40B4-BE49-F238E27FC236}">
+                  <a16:creationId xmlns:a16="http://schemas.microsoft.com/office/drawing/2014/main" id="{F47ED6C9-B350-46AD-AE7D-954096AE9147}"/>
+                </a:ext>
+              </a:extLst>
+            </p:cNvPr>
+            <p:cNvPicPr>
+              <a:picLocks noChangeAspect="1"/>
+            </p:cNvPicPr>
+            <p:nvPr/>
+          </p:nvPicPr>
+          <p:blipFill>
+            <a:blip r:embed="rId2">
+              <a:extLst>
+                <a:ext uri="{28A0092B-C50C-407E-A947-70E740481C1C}">
+                  <a14:useLocalDpi xmlns:a14="http://schemas.microsoft.com/office/drawing/2010/main" val="0"/>
+                </a:ext>
+              </a:extLst>
+            </a:blip>
+            <a:stretch>
+              <a:fillRect/>
+            </a:stretch>
+          </p:blipFill>
+          <p:spPr>
+            <a:xfrm>
+              <a:off x="645277" y="1543848"/>
+              <a:ext cx="295275" cy="304800"/>
+            </a:xfrm>
+            <a:prstGeom prst="rect">
+              <a:avLst/>
+            </a:prstGeom>
+          </p:spPr>
+        </p:pic>
+      </p:grpSp>
+    </p:spTree>
+    <p:extLst>
+      <p:ext uri="{BB962C8B-B14F-4D97-AF65-F5344CB8AC3E}">
+        <p14:creationId xmlns:p14="http://schemas.microsoft.com/office/powerpoint/2010/main" val="3743455982"/>
+      </p:ext>
+    </p:extLst>
+  </p:cSld>
+  <p:clrMapOvr>
+    <a:masterClrMapping/>
+  </p:clrMapOvr>
+</p:sld>
+</file>
+
+<file path=ppt/slides/slide11.xml><?xml version="1.0" encoding="utf-8"?>
+<p:sld xmlns:a="http://schemas.openxmlformats.org/drawingml/2006/main" xmlns:r="http://schemas.openxmlformats.org/officeDocument/2006/relationships" xmlns:p="http://schemas.openxmlformats.org/presentationml/2006/main">
+  <p:cSld>
+    <p:spTree>
+      <p:nvGrpSpPr>
+        <p:cNvPr id="1" name=""/>
+        <p:cNvGrpSpPr/>
+        <p:nvPr/>
+      </p:nvGrpSpPr>
+      <p:grpSpPr>
+        <a:xfrm>
+          <a:off x="0" y="0"/>
+          <a:ext cx="0" cy="0"/>
+          <a:chOff x="0" y="0"/>
+          <a:chExt cx="0" cy="0"/>
+        </a:xfrm>
+      </p:grpSpPr>
+      <p:sp>
+        <p:nvSpPr>
+          <p:cNvPr id="2" name="TextBox 1">
+            <a:extLst>
+              <a:ext uri="{FF2B5EF4-FFF2-40B4-BE49-F238E27FC236}">
+                <a16:creationId xmlns:a16="http://schemas.microsoft.com/office/drawing/2014/main" id="{EC10CEEF-D9FC-4477-8893-5585D2AA7F0F}"/>
+              </a:ext>
+            </a:extLst>
+          </p:cNvPr>
+          <p:cNvSpPr txBox="1"/>
+          <p:nvPr/>
+        </p:nvSpPr>
+        <p:spPr>
+          <a:xfrm>
+            <a:off x="561593" y="157279"/>
+            <a:ext cx="1175322" cy="523220"/>
+          </a:xfrm>
+          <a:prstGeom prst="rect">
+            <a:avLst/>
+          </a:prstGeom>
+          <a:noFill/>
+        </p:spPr>
+        <p:txBody>
+          <a:bodyPr wrap="none" rtlCol="0">
+            <a:spAutoFit/>
+          </a:bodyPr>
+          <a:lstStyle/>
+          <a:p>
+            <a:r>
+              <a:rPr lang="ko-KR" altLang="en-US" sz="2800" b="1" dirty="0">
+                <a:latin typeface="Noto Sans KR SemiBold" panose="020B0200000000000000" pitchFamily="50" charset="-127"/>
+                <a:ea typeface="Noto Sans KR SemiBold" panose="020B0200000000000000" pitchFamily="50" charset="-127"/>
+                <a:cs typeface="Segoe UI" panose="020B0502040204020203" pitchFamily="34" charset="0"/>
+              </a:rPr>
+              <a:t>모델링</a:t>
+            </a:r>
+          </a:p>
+        </p:txBody>
+      </p:sp>
+      <p:grpSp>
+        <p:nvGrpSpPr>
+          <p:cNvPr id="4" name="그룹 3">
+            <a:extLst>
+              <a:ext uri="{FF2B5EF4-FFF2-40B4-BE49-F238E27FC236}">
+                <a16:creationId xmlns:a16="http://schemas.microsoft.com/office/drawing/2014/main" id="{CE264E92-BA4B-4956-848B-506BC6EDA77C}"/>
+              </a:ext>
+            </a:extLst>
+          </p:cNvPr>
+          <p:cNvGrpSpPr/>
+          <p:nvPr/>
+        </p:nvGrpSpPr>
+        <p:grpSpPr>
+          <a:xfrm>
+            <a:off x="761050" y="1238724"/>
+            <a:ext cx="1781411" cy="461665"/>
+            <a:chOff x="645277" y="1465416"/>
+            <a:chExt cx="1781411" cy="461665"/>
+          </a:xfrm>
+        </p:grpSpPr>
+        <p:sp>
+          <p:nvSpPr>
+            <p:cNvPr id="5" name="TextBox 4">
+              <a:extLst>
+                <a:ext uri="{FF2B5EF4-FFF2-40B4-BE49-F238E27FC236}">
+                  <a16:creationId xmlns:a16="http://schemas.microsoft.com/office/drawing/2014/main" id="{8E99963D-3D5D-4F3F-B5EB-A95B3AD23D41}"/>
+                </a:ext>
+              </a:extLst>
+            </p:cNvPr>
+            <p:cNvSpPr txBox="1"/>
+            <p:nvPr/>
+          </p:nvSpPr>
+          <p:spPr>
+            <a:xfrm>
+              <a:off x="1038166" y="1465416"/>
+              <a:ext cx="1388522" cy="461665"/>
+            </a:xfrm>
+            <a:prstGeom prst="rect">
+              <a:avLst/>
+            </a:prstGeom>
+            <a:noFill/>
+          </p:spPr>
+          <p:txBody>
+            <a:bodyPr wrap="none" rtlCol="0">
+              <a:spAutoFit/>
+            </a:bodyPr>
+            <a:lstStyle/>
+            <a:p>
+              <a:r>
+                <a:rPr lang="ko-KR" altLang="en-US" sz="2400" b="1" dirty="0">
+                  <a:solidFill>
+                    <a:schemeClr val="bg1"/>
+                  </a:solidFill>
+                  <a:latin typeface="Noto Sans KR SemiBold" panose="020B0200000000000000" pitchFamily="50" charset="-127"/>
+                  <a:ea typeface="Noto Sans KR SemiBold" panose="020B0200000000000000" pitchFamily="50" charset="-127"/>
+                  <a:cs typeface="Segoe UI" panose="020B0502040204020203" pitchFamily="34" charset="0"/>
+                </a:rPr>
+                <a:t>모델 평가</a:t>
+              </a:r>
+            </a:p>
+          </p:txBody>
+        </p:sp>
+        <p:pic>
+          <p:nvPicPr>
+            <p:cNvPr id="6" name="그림 5">
+              <a:extLst>
+                <a:ext uri="{FF2B5EF4-FFF2-40B4-BE49-F238E27FC236}">
+                  <a16:creationId xmlns:a16="http://schemas.microsoft.com/office/drawing/2014/main" id="{F47ED6C9-B350-46AD-AE7D-954096AE9147}"/>
+                </a:ext>
+              </a:extLst>
+            </p:cNvPr>
+            <p:cNvPicPr>
+              <a:picLocks noChangeAspect="1"/>
+            </p:cNvPicPr>
+            <p:nvPr/>
+          </p:nvPicPr>
+          <p:blipFill>
+            <a:blip r:embed="rId2">
+              <a:extLst>
+                <a:ext uri="{28A0092B-C50C-407E-A947-70E740481C1C}">
+                  <a14:useLocalDpi xmlns:a14="http://schemas.microsoft.com/office/drawing/2010/main" val="0"/>
+                </a:ext>
+              </a:extLst>
+            </a:blip>
+            <a:stretch>
+              <a:fillRect/>
+            </a:stretch>
+          </p:blipFill>
+          <p:spPr>
+            <a:xfrm>
+              <a:off x="645277" y="1543848"/>
+              <a:ext cx="295275" cy="304800"/>
+            </a:xfrm>
+            <a:prstGeom prst="rect">
+              <a:avLst/>
+            </a:prstGeom>
+          </p:spPr>
+        </p:pic>
+      </p:grpSp>
+    </p:spTree>
+    <p:extLst>
+      <p:ext uri="{BB962C8B-B14F-4D97-AF65-F5344CB8AC3E}">
+        <p14:creationId xmlns:p14="http://schemas.microsoft.com/office/powerpoint/2010/main" val="1646519006"/>
+      </p:ext>
+    </p:extLst>
+  </p:cSld>
+  <p:clrMapOvr>
+    <a:masterClrMapping/>
+  </p:clrMapOvr>
+</p:sld>
+</file>
+
+<file path=ppt/slides/slide12.xml><?xml version="1.0" encoding="utf-8"?>
+<p:sld xmlns:a="http://schemas.openxmlformats.org/drawingml/2006/main" xmlns:r="http://schemas.openxmlformats.org/officeDocument/2006/relationships" xmlns:p="http://schemas.openxmlformats.org/presentationml/2006/main">
+  <p:cSld>
+    <p:spTree>
+      <p:nvGrpSpPr>
+        <p:cNvPr id="1" name=""/>
+        <p:cNvGrpSpPr/>
+        <p:nvPr/>
+      </p:nvGrpSpPr>
+      <p:grpSpPr>
+        <a:xfrm>
+          <a:off x="0" y="0"/>
+          <a:ext cx="0" cy="0"/>
+          <a:chOff x="0" y="0"/>
+          <a:chExt cx="0" cy="0"/>
+        </a:xfrm>
+      </p:grpSpPr>
+      <p:sp>
+        <p:nvSpPr>
+          <p:cNvPr id="2" name="TextBox 1">
+            <a:extLst>
+              <a:ext uri="{FF2B5EF4-FFF2-40B4-BE49-F238E27FC236}">
+                <a16:creationId xmlns:a16="http://schemas.microsoft.com/office/drawing/2014/main" id="{EC10CEEF-D9FC-4477-8893-5585D2AA7F0F}"/>
+              </a:ext>
+            </a:extLst>
+          </p:cNvPr>
+          <p:cNvSpPr txBox="1"/>
+          <p:nvPr/>
+        </p:nvSpPr>
+        <p:spPr>
+          <a:xfrm>
+            <a:off x="561593" y="157279"/>
             <a:ext cx="2329484" cy="523220"/>
           </a:xfrm>
           <a:prstGeom prst="rect">
@@ -1406,214 +1741,7 @@
 </p:sld>
 </file>
 
-<file path=ppt/slides/slide11.xml><?xml version="1.0" encoding="utf-8"?>
-<p:sld xmlns:a="http://schemas.openxmlformats.org/drawingml/2006/main" xmlns:r="http://schemas.openxmlformats.org/officeDocument/2006/relationships" xmlns:p="http://schemas.openxmlformats.org/presentationml/2006/main">
-  <p:cSld>
-    <p:spTree>
-      <p:nvGrpSpPr>
-        <p:cNvPr id="1" name=""/>
-        <p:cNvGrpSpPr/>
-        <p:nvPr/>
-      </p:nvGrpSpPr>
-      <p:grpSpPr>
-        <a:xfrm>
-          <a:off x="0" y="0"/>
-          <a:ext cx="0" cy="0"/>
-          <a:chOff x="0" y="0"/>
-          <a:chExt cx="0" cy="0"/>
-        </a:xfrm>
-      </p:grpSpPr>
-      <p:sp>
-        <p:nvSpPr>
-          <p:cNvPr id="2" name="TextBox 1">
-            <a:extLst>
-              <a:ext uri="{FF2B5EF4-FFF2-40B4-BE49-F238E27FC236}">
-                <a16:creationId xmlns:a16="http://schemas.microsoft.com/office/drawing/2014/main" id="{EC10CEEF-D9FC-4477-8893-5585D2AA7F0F}"/>
-              </a:ext>
-            </a:extLst>
-          </p:cNvPr>
-          <p:cNvSpPr txBox="1"/>
-          <p:nvPr/>
-        </p:nvSpPr>
-        <p:spPr>
-          <a:xfrm>
-            <a:off x="561593" y="157279"/>
-            <a:ext cx="845103" cy="523220"/>
-          </a:xfrm>
-          <a:prstGeom prst="rect">
-            <a:avLst/>
-          </a:prstGeom>
-          <a:noFill/>
-        </p:spPr>
-        <p:txBody>
-          <a:bodyPr wrap="none" rtlCol="0">
-            <a:spAutoFit/>
-          </a:bodyPr>
-          <a:lstStyle/>
-          <a:p>
-            <a:r>
-              <a:rPr lang="ko-KR" altLang="en-US" sz="2800" b="1" dirty="0">
-                <a:latin typeface="Noto Sans KR SemiBold" panose="020B0200000000000000" pitchFamily="50" charset="-127"/>
-                <a:ea typeface="Noto Sans KR SemiBold" panose="020B0200000000000000" pitchFamily="50" charset="-127"/>
-                <a:cs typeface="Segoe UI" panose="020B0502040204020203" pitchFamily="34" charset="0"/>
-              </a:rPr>
-              <a:t>제목</a:t>
-            </a:r>
-          </a:p>
-        </p:txBody>
-      </p:sp>
-    </p:spTree>
-    <p:extLst>
-      <p:ext uri="{BB962C8B-B14F-4D97-AF65-F5344CB8AC3E}">
-        <p14:creationId xmlns:p14="http://schemas.microsoft.com/office/powerpoint/2010/main" val="2851632101"/>
-      </p:ext>
-    </p:extLst>
-  </p:cSld>
-  <p:clrMapOvr>
-    <a:masterClrMapping/>
-  </p:clrMapOvr>
-</p:sld>
-</file>
-
-<file path=ppt/slides/slide12.xml><?xml version="1.0" encoding="utf-8"?>
-<p:sld xmlns:a="http://schemas.openxmlformats.org/drawingml/2006/main" xmlns:r="http://schemas.openxmlformats.org/officeDocument/2006/relationships" xmlns:p="http://schemas.openxmlformats.org/presentationml/2006/main">
-  <p:cSld>
-    <p:spTree>
-      <p:nvGrpSpPr>
-        <p:cNvPr id="1" name=""/>
-        <p:cNvGrpSpPr/>
-        <p:nvPr/>
-      </p:nvGrpSpPr>
-      <p:grpSpPr>
-        <a:xfrm>
-          <a:off x="0" y="0"/>
-          <a:ext cx="0" cy="0"/>
-          <a:chOff x="0" y="0"/>
-          <a:chExt cx="0" cy="0"/>
-        </a:xfrm>
-      </p:grpSpPr>
-      <p:sp>
-        <p:nvSpPr>
-          <p:cNvPr id="3" name="TextBox 2">
-            <a:extLst>
-              <a:ext uri="{FF2B5EF4-FFF2-40B4-BE49-F238E27FC236}">
-                <a16:creationId xmlns:a16="http://schemas.microsoft.com/office/drawing/2014/main" id="{7543AD07-A5CE-4CC0-83DA-8D5030C43B60}"/>
-              </a:ext>
-            </a:extLst>
-          </p:cNvPr>
-          <p:cNvSpPr txBox="1"/>
-          <p:nvPr/>
-        </p:nvSpPr>
-        <p:spPr>
-          <a:xfrm>
-            <a:off x="561593" y="157279"/>
-            <a:ext cx="845103" cy="523220"/>
-          </a:xfrm>
-          <a:prstGeom prst="rect">
-            <a:avLst/>
-          </a:prstGeom>
-          <a:noFill/>
-        </p:spPr>
-        <p:txBody>
-          <a:bodyPr wrap="none" rtlCol="0">
-            <a:spAutoFit/>
-          </a:bodyPr>
-          <a:lstStyle/>
-          <a:p>
-            <a:r>
-              <a:rPr lang="ko-KR" altLang="en-US" sz="2800" b="1" dirty="0">
-                <a:latin typeface="Noto Sans KR SemiBold" panose="020B0200000000000000" pitchFamily="50" charset="-127"/>
-                <a:ea typeface="Noto Sans KR SemiBold" panose="020B0200000000000000" pitchFamily="50" charset="-127"/>
-                <a:cs typeface="Segoe UI" panose="020B0502040204020203" pitchFamily="34" charset="0"/>
-              </a:rPr>
-              <a:t>제목</a:t>
-            </a:r>
-          </a:p>
-        </p:txBody>
-      </p:sp>
-    </p:spTree>
-    <p:extLst>
-      <p:ext uri="{BB962C8B-B14F-4D97-AF65-F5344CB8AC3E}">
-        <p14:creationId xmlns:p14="http://schemas.microsoft.com/office/powerpoint/2010/main" val="1887018418"/>
-      </p:ext>
-    </p:extLst>
-  </p:cSld>
-  <p:clrMapOvr>
-    <a:masterClrMapping/>
-  </p:clrMapOvr>
-</p:sld>
-</file>
-
 <file path=ppt/slides/slide13.xml><?xml version="1.0" encoding="utf-8"?>
-<p:sld xmlns:a="http://schemas.openxmlformats.org/drawingml/2006/main" xmlns:r="http://schemas.openxmlformats.org/officeDocument/2006/relationships" xmlns:p="http://schemas.openxmlformats.org/presentationml/2006/main">
-  <p:cSld>
-    <p:spTree>
-      <p:nvGrpSpPr>
-        <p:cNvPr id="1" name=""/>
-        <p:cNvGrpSpPr/>
-        <p:nvPr/>
-      </p:nvGrpSpPr>
-      <p:grpSpPr>
-        <a:xfrm>
-          <a:off x="0" y="0"/>
-          <a:ext cx="0" cy="0"/>
-          <a:chOff x="0" y="0"/>
-          <a:chExt cx="0" cy="0"/>
-        </a:xfrm>
-      </p:grpSpPr>
-      <p:sp>
-        <p:nvSpPr>
-          <p:cNvPr id="3" name="TextBox 2">
-            <a:extLst>
-              <a:ext uri="{FF2B5EF4-FFF2-40B4-BE49-F238E27FC236}">
-                <a16:creationId xmlns:a16="http://schemas.microsoft.com/office/drawing/2014/main" id="{6E37C903-1C4B-4D5B-BB34-209EC90D2444}"/>
-              </a:ext>
-            </a:extLst>
-          </p:cNvPr>
-          <p:cNvSpPr txBox="1"/>
-          <p:nvPr/>
-        </p:nvSpPr>
-        <p:spPr>
-          <a:xfrm>
-            <a:off x="561593" y="157279"/>
-            <a:ext cx="845103" cy="523220"/>
-          </a:xfrm>
-          <a:prstGeom prst="rect">
-            <a:avLst/>
-          </a:prstGeom>
-          <a:noFill/>
-        </p:spPr>
-        <p:txBody>
-          <a:bodyPr wrap="none" rtlCol="0">
-            <a:spAutoFit/>
-          </a:bodyPr>
-          <a:lstStyle/>
-          <a:p>
-            <a:r>
-              <a:rPr lang="ko-KR" altLang="en-US" sz="2800" b="1" dirty="0">
-                <a:latin typeface="Noto Sans KR SemiBold" panose="020B0200000000000000" pitchFamily="50" charset="-127"/>
-                <a:ea typeface="Noto Sans KR SemiBold" panose="020B0200000000000000" pitchFamily="50" charset="-127"/>
-                <a:cs typeface="Segoe UI" panose="020B0502040204020203" pitchFamily="34" charset="0"/>
-              </a:rPr>
-              <a:t>제목</a:t>
-            </a:r>
-          </a:p>
-        </p:txBody>
-      </p:sp>
-    </p:spTree>
-    <p:extLst>
-      <p:ext uri="{BB962C8B-B14F-4D97-AF65-F5344CB8AC3E}">
-        <p14:creationId xmlns:p14="http://schemas.microsoft.com/office/powerpoint/2010/main" val="39310010"/>
-      </p:ext>
-    </p:extLst>
-  </p:cSld>
-  <p:clrMapOvr>
-    <a:masterClrMapping/>
-  </p:clrMapOvr>
-</p:sld>
-</file>
-
-<file path=ppt/slides/slide14.xml><?xml version="1.0" encoding="utf-8"?>
 <p:sld xmlns:a="http://schemas.openxmlformats.org/drawingml/2006/main" xmlns:r="http://schemas.openxmlformats.org/officeDocument/2006/relationships" xmlns:p="http://schemas.openxmlformats.org/presentationml/2006/main">
   <p:cSld>
     <p:spTree>
@@ -4803,9 +4931,9 @@
         <p:grpSpPr>
           <a:xfrm>
             <a:off x="1182238" y="1824403"/>
-            <a:ext cx="5444574" cy="892552"/>
+            <a:ext cx="5814868" cy="892552"/>
             <a:chOff x="1182238" y="1824403"/>
-            <a:chExt cx="5444574" cy="892552"/>
+            <a:chExt cx="5814868" cy="892552"/>
           </a:xfrm>
         </p:grpSpPr>
         <p:sp>
@@ -4876,7 +5004,7 @@
           <p:spPr>
             <a:xfrm>
               <a:off x="1325361" y="2193735"/>
-              <a:ext cx="5301451" cy="523220"/>
+              <a:ext cx="5671745" cy="523220"/>
             </a:xfrm>
             <a:prstGeom prst="rect">
               <a:avLst/>
@@ -4924,7 +5052,7 @@
                   <a:ea typeface="Noto Sans KR" panose="020B0200000000000000" pitchFamily="50" charset="-127"/>
                   <a:cs typeface="Segoe UI" panose="020B0502040204020203" pitchFamily="34" charset="0"/>
                 </a:rPr>
-                <a:t>개인적인 여가 활동과 소비 문화 확산</a:t>
+                <a:t>개인적인 여가 활동과 소비 문화 확산 야기</a:t>
               </a:r>
               <a:endParaRPr lang="en-US" altLang="ko-KR" sz="1400" dirty="0">
                 <a:solidFill>
@@ -4949,7 +5077,7 @@
                   <a:ea typeface="Noto Sans KR" panose="020B0200000000000000" pitchFamily="50" charset="-127"/>
                   <a:cs typeface="Segoe UI" panose="020B0502040204020203" pitchFamily="34" charset="0"/>
                 </a:rPr>
-                <a:t>자기개발 중시 및 관계의 변화</a:t>
+                <a:t>자기개발 중시 및 대인관계 변화</a:t>
               </a:r>
               <a:r>
                 <a:rPr lang="ko-KR" altLang="en-US" sz="1400" dirty="0">
@@ -4971,7 +5099,7 @@
                   <a:ea typeface="Noto Sans KR" panose="020B0200000000000000" pitchFamily="50" charset="-127"/>
                   <a:cs typeface="Segoe UI" panose="020B0502040204020203" pitchFamily="34" charset="0"/>
                 </a:rPr>
-                <a:t>결혼과 출산 포기</a:t>
+                <a:t>결혼과 출산 포기 증가</a:t>
               </a:r>
               <a:endParaRPr lang="ko-KR" altLang="en-US" sz="1400" dirty="0">
                 <a:solidFill>
@@ -5069,9 +5197,9 @@
         <p:grpSpPr>
           <a:xfrm>
             <a:off x="761050" y="1238724"/>
-            <a:ext cx="2348874" cy="461665"/>
+            <a:ext cx="1781411" cy="461665"/>
             <a:chOff x="645277" y="1465416"/>
-            <a:chExt cx="2348874" cy="461665"/>
+            <a:chExt cx="1781411" cy="461665"/>
           </a:xfrm>
         </p:grpSpPr>
         <p:sp>
@@ -5089,7 +5217,7 @@
           <p:spPr>
             <a:xfrm>
               <a:off x="1038166" y="1465416"/>
-              <a:ext cx="1955985" cy="461665"/>
+              <a:ext cx="1388522" cy="461665"/>
             </a:xfrm>
             <a:prstGeom prst="rect">
               <a:avLst/>
@@ -5111,7 +5239,7 @@
                   <a:ea typeface="Noto Sans KR SemiBold" panose="020B0200000000000000" pitchFamily="50" charset="-127"/>
                   <a:cs typeface="Segoe UI" panose="020B0502040204020203" pitchFamily="34" charset="0"/>
                 </a:rPr>
-                <a:t>데이터 전처리</a:t>
+                <a:t>변수 선택</a:t>
               </a:r>
             </a:p>
           </p:txBody>
@@ -5168,7 +5296,7 @@
         <p:spPr>
           <a:xfrm>
             <a:off x="1182238" y="1824403"/>
-            <a:ext cx="2430474" cy="369332"/>
+            <a:ext cx="1159292" cy="369332"/>
           </a:xfrm>
           <a:prstGeom prst="rect">
             <a:avLst/>
@@ -5201,18 +5329,49 @@
                 <a:ea typeface="Noto Sans KR" panose="020B0200000000000000" pitchFamily="50" charset="-127"/>
                 <a:cs typeface="Segoe UI" panose="020B0502040204020203" pitchFamily="34" charset="0"/>
               </a:rPr>
-              <a:t> 불필요 </a:t>
+              <a:t> 상관관계</a:t>
             </a:r>
+          </a:p>
+        </p:txBody>
+      </p:sp>
+      <p:sp>
+        <p:nvSpPr>
+          <p:cNvPr id="12" name="TextBox 11">
+            <a:extLst>
+              <a:ext uri="{FF2B5EF4-FFF2-40B4-BE49-F238E27FC236}">
+                <a16:creationId xmlns:a16="http://schemas.microsoft.com/office/drawing/2014/main" id="{205E899C-FCC2-4283-8D97-D098356C672F}"/>
+              </a:ext>
+            </a:extLst>
+          </p:cNvPr>
+          <p:cNvSpPr txBox="1"/>
+          <p:nvPr/>
+        </p:nvSpPr>
+        <p:spPr>
+          <a:xfrm>
+            <a:off x="6351156" y="1824403"/>
+            <a:ext cx="1896673" cy="369332"/>
+          </a:xfrm>
+          <a:prstGeom prst="rect">
+            <a:avLst/>
+          </a:prstGeom>
+          <a:noFill/>
+        </p:spPr>
+        <p:txBody>
+          <a:bodyPr wrap="none" rtlCol="0">
+            <a:spAutoFit/>
+          </a:bodyPr>
+          <a:lstStyle/>
+          <a:p>
             <a:r>
-              <a:rPr lang="en-US" altLang="ko-KR" dirty="0">
+              <a:rPr lang="en-US" altLang="ko-KR" b="1" dirty="0">
                 <a:solidFill>
                   <a:schemeClr val="bg1"/>
                 </a:solidFill>
-                <a:latin typeface="Noto Sans KR" panose="020B0200000000000000" pitchFamily="50" charset="-127"/>
+                <a:latin typeface="Arial Black" panose="020B0A04020102020204" pitchFamily="34" charset="0"/>
                 <a:ea typeface="Noto Sans KR" panose="020B0200000000000000" pitchFamily="50" charset="-127"/>
                 <a:cs typeface="Segoe UI" panose="020B0502040204020203" pitchFamily="34" charset="0"/>
               </a:rPr>
-              <a:t>col</a:t>
+              <a:t>·</a:t>
             </a:r>
             <a:r>
               <a:rPr lang="ko-KR" altLang="en-US" dirty="0">
@@ -5223,50 +5382,15 @@
                 <a:ea typeface="Noto Sans KR" panose="020B0200000000000000" pitchFamily="50" charset="-127"/>
                 <a:cs typeface="Segoe UI" panose="020B0502040204020203" pitchFamily="34" charset="0"/>
               </a:rPr>
-              <a:t>결측치 처리</a:t>
+              <a:t> 변수 중요도 확인</a:t>
             </a:r>
           </a:p>
         </p:txBody>
       </p:sp>
-      <p:pic>
-        <p:nvPicPr>
-          <p:cNvPr id="11" name="그림 10">
-            <a:extLst>
-              <a:ext uri="{FF2B5EF4-FFF2-40B4-BE49-F238E27FC236}">
-                <a16:creationId xmlns:a16="http://schemas.microsoft.com/office/drawing/2014/main" id="{24DA6C25-487F-4A4B-A227-432D2FD9199B}"/>
-              </a:ext>
-            </a:extLst>
-          </p:cNvPr>
-          <p:cNvPicPr>
-            <a:picLocks noChangeAspect="1"/>
-          </p:cNvPicPr>
-          <p:nvPr/>
-        </p:nvPicPr>
-        <p:blipFill rotWithShape="1">
-          <a:blip r:embed="rId3">
-            <a:extLst>
-              <a:ext uri="{28A0092B-C50C-407E-A947-70E740481C1C}">
-                <a14:useLocalDpi xmlns:a14="http://schemas.microsoft.com/office/drawing/2010/main" val="0"/>
-              </a:ext>
-            </a:extLst>
-          </a:blip>
-          <a:srcRect l="1096"/>
-          <a:stretch/>
-        </p:blipFill>
-        <p:spPr>
-          <a:xfrm>
-            <a:off x="1412422" y="2193735"/>
-            <a:ext cx="7070271" cy="2202465"/>
-          </a:xfrm>
-          <a:prstGeom prst="rect">
-            <a:avLst/>
-          </a:prstGeom>
-        </p:spPr>
-      </p:pic>
     </p:spTree>
     <p:extLst>
       <p:ext uri="{BB962C8B-B14F-4D97-AF65-F5344CB8AC3E}">
-        <p14:creationId xmlns:p14="http://schemas.microsoft.com/office/powerpoint/2010/main" val="3643719570"/>
+        <p14:creationId xmlns:p14="http://schemas.microsoft.com/office/powerpoint/2010/main" val="1567460227"/>
       </p:ext>
     </p:extLst>
   </p:cSld>

--- a/project/01. machine learning/자료/더 이상 미룰 수 없는 초저출산 극복.pptx
+++ b/project/01. machine learning/자료/더 이상 미룰 수 없는 초저출산 극복.pptx
@@ -5,7 +5,7 @@
     <p:sldMasterId id="2147483648" r:id="rId1"/>
   </p:sldMasterIdLst>
   <p:handoutMasterIdLst>
-    <p:handoutMasterId r:id="rId15"/>
+    <p:handoutMasterId r:id="rId16"/>
   </p:handoutMasterIdLst>
   <p:sldIdLst>
     <p:sldId id="256" r:id="rId2"/>
@@ -16,11 +16,12 @@
     <p:sldId id="273" r:id="rId7"/>
     <p:sldId id="274" r:id="rId8"/>
     <p:sldId id="281" r:id="rId9"/>
-    <p:sldId id="283" r:id="rId10"/>
-    <p:sldId id="284" r:id="rId11"/>
-    <p:sldId id="285" r:id="rId12"/>
-    <p:sldId id="276" r:id="rId13"/>
-    <p:sldId id="280" r:id="rId14"/>
+    <p:sldId id="286" r:id="rId10"/>
+    <p:sldId id="283" r:id="rId11"/>
+    <p:sldId id="284" r:id="rId12"/>
+    <p:sldId id="285" r:id="rId13"/>
+    <p:sldId id="276" r:id="rId14"/>
+    <p:sldId id="280" r:id="rId15"/>
   </p:sldIdLst>
   <p:sldSz cx="12192000" cy="6858000"/>
   <p:notesSz cx="6858000" cy="9144000"/>
@@ -259,7 +260,7 @@
           <a:p>
             <a:fld id="{8EE43642-9AB5-4B1D-8ADC-E404D54C0E6B}" type="datetimeFigureOut">
               <a:rPr lang="ko-KR" altLang="en-US" smtClean="0"/>
-              <a:t>2024-10-03</a:t>
+              <a:t>2024-10-04</a:t>
             </a:fld>
             <a:endParaRPr lang="ko-KR" altLang="en-US"/>
           </a:p>
@@ -1407,9 +1408,9 @@
         <p:grpSpPr>
           <a:xfrm>
             <a:off x="761050" y="1238724"/>
-            <a:ext cx="3337926" cy="461665"/>
+            <a:ext cx="1781411" cy="461665"/>
             <a:chOff x="645277" y="1465416"/>
-            <a:chExt cx="3337926" cy="461665"/>
+            <a:chExt cx="1781411" cy="461665"/>
           </a:xfrm>
         </p:grpSpPr>
         <p:sp>
@@ -1427,7 +1428,7 @@
           <p:spPr>
             <a:xfrm>
               <a:off x="1038166" y="1465416"/>
-              <a:ext cx="2945037" cy="461665"/>
+              <a:ext cx="1388522" cy="461665"/>
             </a:xfrm>
             <a:prstGeom prst="rect">
               <a:avLst/>
@@ -1449,7 +1450,7 @@
                   <a:ea typeface="Noto Sans KR SemiBold" panose="020B0200000000000000" pitchFamily="50" charset="-127"/>
                   <a:cs typeface="Segoe UI" panose="020B0502040204020203" pitchFamily="34" charset="0"/>
                 </a:rPr>
-                <a:t>변수에 따른 모델 선정</a:t>
+                <a:t>변수 선택</a:t>
               </a:r>
             </a:p>
           </p:txBody>
@@ -1491,10 +1492,116 @@
           </p:spPr>
         </p:pic>
       </p:grpSp>
+      <p:sp>
+        <p:nvSpPr>
+          <p:cNvPr id="8" name="TextBox 7">
+            <a:extLst>
+              <a:ext uri="{FF2B5EF4-FFF2-40B4-BE49-F238E27FC236}">
+                <a16:creationId xmlns:a16="http://schemas.microsoft.com/office/drawing/2014/main" id="{C581DEC2-3CB6-40D7-96C8-B9645EE3A7A7}"/>
+              </a:ext>
+            </a:extLst>
+          </p:cNvPr>
+          <p:cNvSpPr txBox="1"/>
+          <p:nvPr/>
+        </p:nvSpPr>
+        <p:spPr>
+          <a:xfrm>
+            <a:off x="1182238" y="1824403"/>
+            <a:ext cx="1159292" cy="369332"/>
+          </a:xfrm>
+          <a:prstGeom prst="rect">
+            <a:avLst/>
+          </a:prstGeom>
+          <a:noFill/>
+        </p:spPr>
+        <p:txBody>
+          <a:bodyPr wrap="none" rtlCol="0">
+            <a:spAutoFit/>
+          </a:bodyPr>
+          <a:lstStyle/>
+          <a:p>
+            <a:r>
+              <a:rPr lang="en-US" altLang="ko-KR" b="1" dirty="0">
+                <a:solidFill>
+                  <a:schemeClr val="bg1"/>
+                </a:solidFill>
+                <a:latin typeface="Arial Black" panose="020B0A04020102020204" pitchFamily="34" charset="0"/>
+                <a:ea typeface="Noto Sans KR" panose="020B0200000000000000" pitchFamily="50" charset="-127"/>
+                <a:cs typeface="Segoe UI" panose="020B0502040204020203" pitchFamily="34" charset="0"/>
+              </a:rPr>
+              <a:t>·</a:t>
+            </a:r>
+            <a:r>
+              <a:rPr lang="ko-KR" altLang="en-US" dirty="0">
+                <a:solidFill>
+                  <a:schemeClr val="bg1"/>
+                </a:solidFill>
+                <a:latin typeface="Noto Sans KR" panose="020B0200000000000000" pitchFamily="50" charset="-127"/>
+                <a:ea typeface="Noto Sans KR" panose="020B0200000000000000" pitchFamily="50" charset="-127"/>
+                <a:cs typeface="Segoe UI" panose="020B0502040204020203" pitchFamily="34" charset="0"/>
+              </a:rPr>
+              <a:t> 상관관계</a:t>
+            </a:r>
+          </a:p>
+        </p:txBody>
+      </p:sp>
+      <p:sp>
+        <p:nvSpPr>
+          <p:cNvPr id="12" name="TextBox 11">
+            <a:extLst>
+              <a:ext uri="{FF2B5EF4-FFF2-40B4-BE49-F238E27FC236}">
+                <a16:creationId xmlns:a16="http://schemas.microsoft.com/office/drawing/2014/main" id="{205E899C-FCC2-4283-8D97-D098356C672F}"/>
+              </a:ext>
+            </a:extLst>
+          </p:cNvPr>
+          <p:cNvSpPr txBox="1"/>
+          <p:nvPr/>
+        </p:nvSpPr>
+        <p:spPr>
+          <a:xfrm>
+            <a:off x="6351156" y="1824403"/>
+            <a:ext cx="1896673" cy="369332"/>
+          </a:xfrm>
+          <a:prstGeom prst="rect">
+            <a:avLst/>
+          </a:prstGeom>
+          <a:noFill/>
+        </p:spPr>
+        <p:txBody>
+          <a:bodyPr wrap="none" rtlCol="0">
+            <a:spAutoFit/>
+          </a:bodyPr>
+          <a:lstStyle/>
+          <a:p>
+            <a:r>
+              <a:rPr lang="en-US" altLang="ko-KR" b="1" dirty="0">
+                <a:solidFill>
+                  <a:schemeClr val="bg1"/>
+                </a:solidFill>
+                <a:latin typeface="Arial Black" panose="020B0A04020102020204" pitchFamily="34" charset="0"/>
+                <a:ea typeface="Noto Sans KR" panose="020B0200000000000000" pitchFamily="50" charset="-127"/>
+                <a:cs typeface="Segoe UI" panose="020B0502040204020203" pitchFamily="34" charset="0"/>
+              </a:rPr>
+              <a:t>·</a:t>
+            </a:r>
+            <a:r>
+              <a:rPr lang="ko-KR" altLang="en-US" dirty="0">
+                <a:solidFill>
+                  <a:schemeClr val="bg1"/>
+                </a:solidFill>
+                <a:latin typeface="Noto Sans KR" panose="020B0200000000000000" pitchFamily="50" charset="-127"/>
+                <a:ea typeface="Noto Sans KR" panose="020B0200000000000000" pitchFamily="50" charset="-127"/>
+                <a:cs typeface="Segoe UI" panose="020B0502040204020203" pitchFamily="34" charset="0"/>
+              </a:rPr>
+              <a:t> 변수 중요도 확인</a:t>
+            </a:r>
+          </a:p>
+        </p:txBody>
+      </p:sp>
     </p:spTree>
     <p:extLst>
       <p:ext uri="{BB962C8B-B14F-4D97-AF65-F5344CB8AC3E}">
-        <p14:creationId xmlns:p14="http://schemas.microsoft.com/office/powerpoint/2010/main" val="3743455982"/>
+        <p14:creationId xmlns:p14="http://schemas.microsoft.com/office/powerpoint/2010/main" val="1567460227"/>
       </p:ext>
     </p:extLst>
   </p:cSld>
@@ -1575,6 +1682,174 @@
         <p:grpSpPr>
           <a:xfrm>
             <a:off x="761050" y="1238724"/>
+            <a:ext cx="3337926" cy="461665"/>
+            <a:chOff x="645277" y="1465416"/>
+            <a:chExt cx="3337926" cy="461665"/>
+          </a:xfrm>
+        </p:grpSpPr>
+        <p:sp>
+          <p:nvSpPr>
+            <p:cNvPr id="5" name="TextBox 4">
+              <a:extLst>
+                <a:ext uri="{FF2B5EF4-FFF2-40B4-BE49-F238E27FC236}">
+                  <a16:creationId xmlns:a16="http://schemas.microsoft.com/office/drawing/2014/main" id="{8E99963D-3D5D-4F3F-B5EB-A95B3AD23D41}"/>
+                </a:ext>
+              </a:extLst>
+            </p:cNvPr>
+            <p:cNvSpPr txBox="1"/>
+            <p:nvPr/>
+          </p:nvSpPr>
+          <p:spPr>
+            <a:xfrm>
+              <a:off x="1038166" y="1465416"/>
+              <a:ext cx="2945037" cy="461665"/>
+            </a:xfrm>
+            <a:prstGeom prst="rect">
+              <a:avLst/>
+            </a:prstGeom>
+            <a:noFill/>
+          </p:spPr>
+          <p:txBody>
+            <a:bodyPr wrap="none" rtlCol="0">
+              <a:spAutoFit/>
+            </a:bodyPr>
+            <a:lstStyle/>
+            <a:p>
+              <a:r>
+                <a:rPr lang="ko-KR" altLang="en-US" sz="2400" b="1" dirty="0">
+                  <a:solidFill>
+                    <a:schemeClr val="bg1"/>
+                  </a:solidFill>
+                  <a:latin typeface="Noto Sans KR SemiBold" panose="020B0200000000000000" pitchFamily="50" charset="-127"/>
+                  <a:ea typeface="Noto Sans KR SemiBold" panose="020B0200000000000000" pitchFamily="50" charset="-127"/>
+                  <a:cs typeface="Segoe UI" panose="020B0502040204020203" pitchFamily="34" charset="0"/>
+                </a:rPr>
+                <a:t>변수에 따른 모델 선정</a:t>
+              </a:r>
+            </a:p>
+          </p:txBody>
+        </p:sp>
+        <p:pic>
+          <p:nvPicPr>
+            <p:cNvPr id="6" name="그림 5">
+              <a:extLst>
+                <a:ext uri="{FF2B5EF4-FFF2-40B4-BE49-F238E27FC236}">
+                  <a16:creationId xmlns:a16="http://schemas.microsoft.com/office/drawing/2014/main" id="{F47ED6C9-B350-46AD-AE7D-954096AE9147}"/>
+                </a:ext>
+              </a:extLst>
+            </p:cNvPr>
+            <p:cNvPicPr>
+              <a:picLocks noChangeAspect="1"/>
+            </p:cNvPicPr>
+            <p:nvPr/>
+          </p:nvPicPr>
+          <p:blipFill>
+            <a:blip r:embed="rId2">
+              <a:extLst>
+                <a:ext uri="{28A0092B-C50C-407E-A947-70E740481C1C}">
+                  <a14:useLocalDpi xmlns:a14="http://schemas.microsoft.com/office/drawing/2010/main" val="0"/>
+                </a:ext>
+              </a:extLst>
+            </a:blip>
+            <a:stretch>
+              <a:fillRect/>
+            </a:stretch>
+          </p:blipFill>
+          <p:spPr>
+            <a:xfrm>
+              <a:off x="645277" y="1543848"/>
+              <a:ext cx="295275" cy="304800"/>
+            </a:xfrm>
+            <a:prstGeom prst="rect">
+              <a:avLst/>
+            </a:prstGeom>
+          </p:spPr>
+        </p:pic>
+      </p:grpSp>
+    </p:spTree>
+    <p:extLst>
+      <p:ext uri="{BB962C8B-B14F-4D97-AF65-F5344CB8AC3E}">
+        <p14:creationId xmlns:p14="http://schemas.microsoft.com/office/powerpoint/2010/main" val="3743455982"/>
+      </p:ext>
+    </p:extLst>
+  </p:cSld>
+  <p:clrMapOvr>
+    <a:masterClrMapping/>
+  </p:clrMapOvr>
+</p:sld>
+</file>
+
+<file path=ppt/slides/slide12.xml><?xml version="1.0" encoding="utf-8"?>
+<p:sld xmlns:a="http://schemas.openxmlformats.org/drawingml/2006/main" xmlns:r="http://schemas.openxmlformats.org/officeDocument/2006/relationships" xmlns:p="http://schemas.openxmlformats.org/presentationml/2006/main">
+  <p:cSld>
+    <p:spTree>
+      <p:nvGrpSpPr>
+        <p:cNvPr id="1" name=""/>
+        <p:cNvGrpSpPr/>
+        <p:nvPr/>
+      </p:nvGrpSpPr>
+      <p:grpSpPr>
+        <a:xfrm>
+          <a:off x="0" y="0"/>
+          <a:ext cx="0" cy="0"/>
+          <a:chOff x="0" y="0"/>
+          <a:chExt cx="0" cy="0"/>
+        </a:xfrm>
+      </p:grpSpPr>
+      <p:sp>
+        <p:nvSpPr>
+          <p:cNvPr id="2" name="TextBox 1">
+            <a:extLst>
+              <a:ext uri="{FF2B5EF4-FFF2-40B4-BE49-F238E27FC236}">
+                <a16:creationId xmlns:a16="http://schemas.microsoft.com/office/drawing/2014/main" id="{EC10CEEF-D9FC-4477-8893-5585D2AA7F0F}"/>
+              </a:ext>
+            </a:extLst>
+          </p:cNvPr>
+          <p:cNvSpPr txBox="1"/>
+          <p:nvPr/>
+        </p:nvSpPr>
+        <p:spPr>
+          <a:xfrm>
+            <a:off x="561593" y="157279"/>
+            <a:ext cx="1175322" cy="523220"/>
+          </a:xfrm>
+          <a:prstGeom prst="rect">
+            <a:avLst/>
+          </a:prstGeom>
+          <a:noFill/>
+        </p:spPr>
+        <p:txBody>
+          <a:bodyPr wrap="none" rtlCol="0">
+            <a:spAutoFit/>
+          </a:bodyPr>
+          <a:lstStyle/>
+          <a:p>
+            <a:r>
+              <a:rPr lang="ko-KR" altLang="en-US" sz="2800" b="1" dirty="0">
+                <a:latin typeface="Noto Sans KR SemiBold" panose="020B0200000000000000" pitchFamily="50" charset="-127"/>
+                <a:ea typeface="Noto Sans KR SemiBold" panose="020B0200000000000000" pitchFamily="50" charset="-127"/>
+                <a:cs typeface="Segoe UI" panose="020B0502040204020203" pitchFamily="34" charset="0"/>
+              </a:rPr>
+              <a:t>모델링</a:t>
+            </a:r>
+          </a:p>
+        </p:txBody>
+      </p:sp>
+      <p:grpSp>
+        <p:nvGrpSpPr>
+          <p:cNvPr id="4" name="그룹 3">
+            <a:extLst>
+              <a:ext uri="{FF2B5EF4-FFF2-40B4-BE49-F238E27FC236}">
+                <a16:creationId xmlns:a16="http://schemas.microsoft.com/office/drawing/2014/main" id="{CE264E92-BA4B-4956-848B-506BC6EDA77C}"/>
+              </a:ext>
+            </a:extLst>
+          </p:cNvPr>
+          <p:cNvGrpSpPr/>
+          <p:nvPr/>
+        </p:nvGrpSpPr>
+        <p:grpSpPr>
+          <a:xfrm>
+            <a:off x="761050" y="1238724"/>
             <a:ext cx="1781411" cy="461665"/>
             <a:chOff x="645277" y="1465416"/>
             <a:chExt cx="1781411" cy="461665"/>
@@ -1672,7 +1947,7 @@
 </p:sld>
 </file>
 
-<file path=ppt/slides/slide12.xml><?xml version="1.0" encoding="utf-8"?>
+<file path=ppt/slides/slide13.xml><?xml version="1.0" encoding="utf-8"?>
 <p:sld xmlns:a="http://schemas.openxmlformats.org/drawingml/2006/main" xmlns:r="http://schemas.openxmlformats.org/officeDocument/2006/relationships" xmlns:p="http://schemas.openxmlformats.org/presentationml/2006/main">
   <p:cSld>
     <p:spTree>
@@ -1741,7 +2016,7 @@
 </p:sld>
 </file>
 
-<file path=ppt/slides/slide13.xml><?xml version="1.0" encoding="utf-8"?>
+<file path=ppt/slides/slide14.xml><?xml version="1.0" encoding="utf-8"?>
 <p:sld xmlns:a="http://schemas.openxmlformats.org/drawingml/2006/main" xmlns:r="http://schemas.openxmlformats.org/officeDocument/2006/relationships" xmlns:p="http://schemas.openxmlformats.org/presentationml/2006/main">
   <p:cSld>
     <p:spTree>
@@ -1905,6 +2180,78 @@
           </a:p>
         </p:txBody>
       </p:sp>
+      <p:pic>
+        <p:nvPicPr>
+          <p:cNvPr id="6" name="그림 5">
+            <a:extLst>
+              <a:ext uri="{FF2B5EF4-FFF2-40B4-BE49-F238E27FC236}">
+                <a16:creationId xmlns:a16="http://schemas.microsoft.com/office/drawing/2014/main" id="{0C04DEDC-D45D-4017-BC6A-215970965908}"/>
+              </a:ext>
+            </a:extLst>
+          </p:cNvPr>
+          <p:cNvPicPr>
+            <a:picLocks noChangeAspect="1"/>
+          </p:cNvPicPr>
+          <p:nvPr/>
+        </p:nvPicPr>
+        <p:blipFill>
+          <a:blip r:embed="rId5">
+            <a:extLst>
+              <a:ext uri="{28A0092B-C50C-407E-A947-70E740481C1C}">
+                <a14:useLocalDpi xmlns:a14="http://schemas.microsoft.com/office/drawing/2010/main" val="0"/>
+              </a:ext>
+            </a:extLst>
+          </a:blip>
+          <a:stretch>
+            <a:fillRect/>
+          </a:stretch>
+        </p:blipFill>
+        <p:spPr>
+          <a:xfrm>
+            <a:off x="618572" y="1568826"/>
+            <a:ext cx="295275" cy="304800"/>
+          </a:xfrm>
+          <a:prstGeom prst="rect">
+            <a:avLst/>
+          </a:prstGeom>
+        </p:spPr>
+      </p:pic>
+      <p:pic>
+        <p:nvPicPr>
+          <p:cNvPr id="9" name="그림 8">
+            <a:extLst>
+              <a:ext uri="{FF2B5EF4-FFF2-40B4-BE49-F238E27FC236}">
+                <a16:creationId xmlns:a16="http://schemas.microsoft.com/office/drawing/2014/main" id="{1BA3FB23-D901-4339-8492-80C6DDCFB135}"/>
+              </a:ext>
+            </a:extLst>
+          </p:cNvPr>
+          <p:cNvPicPr>
+            <a:picLocks noChangeAspect="1"/>
+          </p:cNvPicPr>
+          <p:nvPr/>
+        </p:nvPicPr>
+        <p:blipFill>
+          <a:blip r:embed="rId6">
+            <a:extLst>
+              <a:ext uri="{28A0092B-C50C-407E-A947-70E740481C1C}">
+                <a14:useLocalDpi xmlns:a14="http://schemas.microsoft.com/office/drawing/2010/main" val="0"/>
+              </a:ext>
+            </a:extLst>
+          </a:blip>
+          <a:stretch>
+            <a:fillRect/>
+          </a:stretch>
+        </p:blipFill>
+        <p:spPr>
+          <a:xfrm>
+            <a:off x="556490" y="2033735"/>
+            <a:ext cx="828675" cy="723900"/>
+          </a:xfrm>
+          <a:prstGeom prst="rect">
+            <a:avLst/>
+          </a:prstGeom>
+        </p:spPr>
+      </p:pic>
     </p:spTree>
     <p:extLst>
       <p:ext uri="{BB962C8B-B14F-4D97-AF65-F5344CB8AC3E}">
@@ -5143,12 +5490,246 @@
           <a:chExt cx="0" cy="0"/>
         </a:xfrm>
       </p:grpSpPr>
+      <p:grpSp>
+        <p:nvGrpSpPr>
+          <p:cNvPr id="14" name="그룹 13">
+            <a:extLst>
+              <a:ext uri="{FF2B5EF4-FFF2-40B4-BE49-F238E27FC236}">
+                <a16:creationId xmlns:a16="http://schemas.microsoft.com/office/drawing/2014/main" id="{669839CB-4BC8-40F7-B83A-261A855B4F6D}"/>
+              </a:ext>
+            </a:extLst>
+          </p:cNvPr>
+          <p:cNvGrpSpPr/>
+          <p:nvPr/>
+        </p:nvGrpSpPr>
+        <p:grpSpPr>
+          <a:xfrm>
+            <a:off x="761050" y="1247688"/>
+            <a:ext cx="3621658" cy="461665"/>
+            <a:chOff x="645277" y="1465416"/>
+            <a:chExt cx="3621658" cy="461665"/>
+          </a:xfrm>
+        </p:grpSpPr>
+        <p:sp>
+          <p:nvSpPr>
+            <p:cNvPr id="15" name="TextBox 14">
+              <a:extLst>
+                <a:ext uri="{FF2B5EF4-FFF2-40B4-BE49-F238E27FC236}">
+                  <a16:creationId xmlns:a16="http://schemas.microsoft.com/office/drawing/2014/main" id="{44A0F153-A65C-4836-864B-E3999D6FA4B7}"/>
+                </a:ext>
+              </a:extLst>
+            </p:cNvPr>
+            <p:cNvSpPr txBox="1"/>
+            <p:nvPr/>
+          </p:nvSpPr>
+          <p:spPr>
+            <a:xfrm>
+              <a:off x="1038166" y="1465416"/>
+              <a:ext cx="3228769" cy="461665"/>
+            </a:xfrm>
+            <a:prstGeom prst="rect">
+              <a:avLst/>
+            </a:prstGeom>
+            <a:noFill/>
+          </p:spPr>
+          <p:txBody>
+            <a:bodyPr wrap="none" rtlCol="0">
+              <a:spAutoFit/>
+            </a:bodyPr>
+            <a:lstStyle/>
+            <a:p>
+              <a:r>
+                <a:rPr lang="ko-KR" altLang="en-US" sz="2400" b="1" dirty="0">
+                  <a:solidFill>
+                    <a:schemeClr val="bg1"/>
+                  </a:solidFill>
+                  <a:latin typeface="Noto Sans KR SemiBold" panose="020B0200000000000000" pitchFamily="50" charset="-127"/>
+                  <a:ea typeface="Noto Sans KR SemiBold" panose="020B0200000000000000" pitchFamily="50" charset="-127"/>
+                  <a:cs typeface="Segoe UI" panose="020B0502040204020203" pitchFamily="34" charset="0"/>
+                </a:rPr>
+                <a:t>지역별 명칭 약어로 통일</a:t>
+              </a:r>
+            </a:p>
+          </p:txBody>
+        </p:sp>
+        <p:pic>
+          <p:nvPicPr>
+            <p:cNvPr id="16" name="그림 15">
+              <a:extLst>
+                <a:ext uri="{FF2B5EF4-FFF2-40B4-BE49-F238E27FC236}">
+                  <a16:creationId xmlns:a16="http://schemas.microsoft.com/office/drawing/2014/main" id="{A74CE453-F1C1-48A8-A6E4-0EDB2EEFF1AD}"/>
+                </a:ext>
+              </a:extLst>
+            </p:cNvPr>
+            <p:cNvPicPr>
+              <a:picLocks noChangeAspect="1"/>
+            </p:cNvPicPr>
+            <p:nvPr/>
+          </p:nvPicPr>
+          <p:blipFill>
+            <a:blip r:embed="rId2">
+              <a:extLst>
+                <a:ext uri="{28A0092B-C50C-407E-A947-70E740481C1C}">
+                  <a14:useLocalDpi xmlns:a14="http://schemas.microsoft.com/office/drawing/2010/main" val="0"/>
+                </a:ext>
+              </a:extLst>
+            </a:blip>
+            <a:stretch>
+              <a:fillRect/>
+            </a:stretch>
+          </p:blipFill>
+          <p:spPr>
+            <a:xfrm>
+              <a:off x="645277" y="1543848"/>
+              <a:ext cx="295275" cy="304800"/>
+            </a:xfrm>
+            <a:prstGeom prst="rect">
+              <a:avLst/>
+            </a:prstGeom>
+          </p:spPr>
+        </p:pic>
+      </p:grpSp>
+      <p:pic>
+        <p:nvPicPr>
+          <p:cNvPr id="5" name="그림 4">
+            <a:extLst>
+              <a:ext uri="{FF2B5EF4-FFF2-40B4-BE49-F238E27FC236}">
+                <a16:creationId xmlns:a16="http://schemas.microsoft.com/office/drawing/2014/main" id="{BC1C30E2-5D74-4167-8A1A-092038F87D67}"/>
+              </a:ext>
+            </a:extLst>
+          </p:cNvPr>
+          <p:cNvPicPr>
+            <a:picLocks noChangeAspect="1"/>
+          </p:cNvPicPr>
+          <p:nvPr/>
+        </p:nvPicPr>
+        <p:blipFill>
+          <a:blip r:embed="rId3">
+            <a:extLst>
+              <a:ext uri="{28A0092B-C50C-407E-A947-70E740481C1C}">
+                <a14:useLocalDpi xmlns:a14="http://schemas.microsoft.com/office/drawing/2010/main" val="0"/>
+              </a:ext>
+            </a:extLst>
+          </a:blip>
+          <a:stretch>
+            <a:fillRect/>
+          </a:stretch>
+        </p:blipFill>
+        <p:spPr>
+          <a:xfrm>
+            <a:off x="1263066" y="1807501"/>
+            <a:ext cx="6990387" cy="438512"/>
+          </a:xfrm>
+          <a:prstGeom prst="rect">
+            <a:avLst/>
+          </a:prstGeom>
+        </p:spPr>
+      </p:pic>
+      <p:grpSp>
+        <p:nvGrpSpPr>
+          <p:cNvPr id="9" name="그룹 8">
+            <a:extLst>
+              <a:ext uri="{FF2B5EF4-FFF2-40B4-BE49-F238E27FC236}">
+                <a16:creationId xmlns:a16="http://schemas.microsoft.com/office/drawing/2014/main" id="{8BCFA771-6262-4B64-BAB0-3192E2AF9ADF}"/>
+              </a:ext>
+            </a:extLst>
+          </p:cNvPr>
+          <p:cNvGrpSpPr/>
+          <p:nvPr/>
+        </p:nvGrpSpPr>
+        <p:grpSpPr>
+          <a:xfrm>
+            <a:off x="761050" y="2730068"/>
+            <a:ext cx="5109245" cy="461665"/>
+            <a:chOff x="645277" y="1465416"/>
+            <a:chExt cx="5109245" cy="461665"/>
+          </a:xfrm>
+        </p:grpSpPr>
+        <p:sp>
+          <p:nvSpPr>
+            <p:cNvPr id="10" name="TextBox 9">
+              <a:extLst>
+                <a:ext uri="{FF2B5EF4-FFF2-40B4-BE49-F238E27FC236}">
+                  <a16:creationId xmlns:a16="http://schemas.microsoft.com/office/drawing/2014/main" id="{05AC24EB-A6FD-42ED-8A02-8DFC567CB70E}"/>
+                </a:ext>
+              </a:extLst>
+            </p:cNvPr>
+            <p:cNvSpPr txBox="1"/>
+            <p:nvPr/>
+          </p:nvSpPr>
+          <p:spPr>
+            <a:xfrm>
+              <a:off x="1038166" y="1465416"/>
+              <a:ext cx="4716356" cy="461665"/>
+            </a:xfrm>
+            <a:prstGeom prst="rect">
+              <a:avLst/>
+            </a:prstGeom>
+            <a:noFill/>
+          </p:spPr>
+          <p:txBody>
+            <a:bodyPr wrap="none" rtlCol="0">
+              <a:spAutoFit/>
+            </a:bodyPr>
+            <a:lstStyle/>
+            <a:p>
+              <a:r>
+                <a:rPr lang="ko-KR" altLang="en-US" sz="2400" b="1" dirty="0">
+                  <a:solidFill>
+                    <a:schemeClr val="bg1"/>
+                  </a:solidFill>
+                  <a:latin typeface="Noto Sans KR SemiBold" panose="020B0200000000000000" pitchFamily="50" charset="-127"/>
+                  <a:ea typeface="Noto Sans KR SemiBold" panose="020B0200000000000000" pitchFamily="50" charset="-127"/>
+                  <a:cs typeface="Segoe UI" panose="020B0502040204020203" pitchFamily="34" charset="0"/>
+                </a:rPr>
+                <a:t>년도별 데이터를 월별 데이터로 변환</a:t>
+              </a:r>
+            </a:p>
+          </p:txBody>
+        </p:sp>
+        <p:pic>
+          <p:nvPicPr>
+            <p:cNvPr id="11" name="그림 10">
+              <a:extLst>
+                <a:ext uri="{FF2B5EF4-FFF2-40B4-BE49-F238E27FC236}">
+                  <a16:creationId xmlns:a16="http://schemas.microsoft.com/office/drawing/2014/main" id="{21B57582-E0BE-4B63-A745-6E4D00580078}"/>
+                </a:ext>
+              </a:extLst>
+            </p:cNvPr>
+            <p:cNvPicPr>
+              <a:picLocks noChangeAspect="1"/>
+            </p:cNvPicPr>
+            <p:nvPr/>
+          </p:nvPicPr>
+          <p:blipFill>
+            <a:blip r:embed="rId2">
+              <a:extLst>
+                <a:ext uri="{28A0092B-C50C-407E-A947-70E740481C1C}">
+                  <a14:useLocalDpi xmlns:a14="http://schemas.microsoft.com/office/drawing/2010/main" val="0"/>
+                </a:ext>
+              </a:extLst>
+            </a:blip>
+            <a:stretch>
+              <a:fillRect/>
+            </a:stretch>
+          </p:blipFill>
+          <p:spPr>
+            <a:xfrm>
+              <a:off x="645277" y="1543848"/>
+              <a:ext cx="295275" cy="304800"/>
+            </a:xfrm>
+            <a:prstGeom prst="rect">
+              <a:avLst/>
+            </a:prstGeom>
+          </p:spPr>
+        </p:pic>
+      </p:grpSp>
       <p:sp>
         <p:nvSpPr>
-          <p:cNvPr id="2" name="TextBox 1">
+          <p:cNvPr id="12" name="TextBox 11">
             <a:extLst>
               <a:ext uri="{FF2B5EF4-FFF2-40B4-BE49-F238E27FC236}">
-                <a16:creationId xmlns:a16="http://schemas.microsoft.com/office/drawing/2014/main" id="{EC10CEEF-D9FC-4477-8893-5585D2AA7F0F}"/>
+                <a16:creationId xmlns:a16="http://schemas.microsoft.com/office/drawing/2014/main" id="{6D8CC916-1279-4BBA-8859-EB70C76287C4}"/>
               </a:ext>
             </a:extLst>
           </p:cNvPr>
@@ -5158,7 +5739,7 @@
         <p:spPr>
           <a:xfrm>
             <a:off x="561593" y="157279"/>
-            <a:ext cx="1175322" cy="523220"/>
+            <a:ext cx="3071675" cy="523220"/>
           </a:xfrm>
           <a:prstGeom prst="rect">
             <a:avLst/>
@@ -5177,17 +5758,17 @@
                 <a:ea typeface="Noto Sans KR SemiBold" panose="020B0200000000000000" pitchFamily="50" charset="-127"/>
                 <a:cs typeface="Segoe UI" panose="020B0502040204020203" pitchFamily="34" charset="0"/>
               </a:rPr>
-              <a:t>모델링</a:t>
+              <a:t>데이터 수집 및 분석</a:t>
             </a:r>
           </a:p>
         </p:txBody>
       </p:sp>
       <p:grpSp>
         <p:nvGrpSpPr>
-          <p:cNvPr id="4" name="그룹 3">
+          <p:cNvPr id="61" name="그룹 60">
             <a:extLst>
               <a:ext uri="{FF2B5EF4-FFF2-40B4-BE49-F238E27FC236}">
-                <a16:creationId xmlns:a16="http://schemas.microsoft.com/office/drawing/2014/main" id="{CE264E92-BA4B-4956-848B-506BC6EDA77C}"/>
+                <a16:creationId xmlns:a16="http://schemas.microsoft.com/office/drawing/2014/main" id="{3DBEF6C7-40C9-43CE-91C9-0A2484EF0F5B}"/>
               </a:ext>
             </a:extLst>
           </p:cNvPr>
@@ -5196,18 +5777,18 @@
         </p:nvGrpSpPr>
         <p:grpSpPr>
           <a:xfrm>
-            <a:off x="761050" y="1238724"/>
-            <a:ext cx="1781411" cy="461665"/>
-            <a:chOff x="645277" y="1465416"/>
-            <a:chExt cx="1781411" cy="461665"/>
+            <a:off x="1182238" y="3315747"/>
+            <a:ext cx="5475032" cy="1446550"/>
+            <a:chOff x="1182238" y="1824403"/>
+            <a:chExt cx="5475032" cy="1446550"/>
           </a:xfrm>
         </p:grpSpPr>
         <p:sp>
           <p:nvSpPr>
-            <p:cNvPr id="5" name="TextBox 4">
+            <p:cNvPr id="62" name="TextBox 61">
               <a:extLst>
                 <a:ext uri="{FF2B5EF4-FFF2-40B4-BE49-F238E27FC236}">
-                  <a16:creationId xmlns:a16="http://schemas.microsoft.com/office/drawing/2014/main" id="{8E99963D-3D5D-4F3F-B5EB-A95B3AD23D41}"/>
+                  <a16:creationId xmlns:a16="http://schemas.microsoft.com/office/drawing/2014/main" id="{87224654-F57F-4069-A943-2C1A08FF2DEF}"/>
                 </a:ext>
               </a:extLst>
             </p:cNvPr>
@@ -5216,8 +5797,8 @@
           </p:nvSpPr>
           <p:spPr>
             <a:xfrm>
-              <a:off x="1038166" y="1465416"/>
-              <a:ext cx="1388522" cy="461665"/>
+              <a:off x="1182238" y="1824403"/>
+              <a:ext cx="2172390" cy="369332"/>
             </a:xfrm>
             <a:prstGeom prst="rect">
               <a:avLst/>
@@ -5231,166 +5812,360 @@
             <a:lstStyle/>
             <a:p>
               <a:r>
-                <a:rPr lang="ko-KR" altLang="en-US" sz="2400" b="1" dirty="0">
+                <a:rPr lang="en-US" altLang="ko-KR" b="1" dirty="0">
                   <a:solidFill>
                     <a:schemeClr val="bg1"/>
                   </a:solidFill>
-                  <a:latin typeface="Noto Sans KR SemiBold" panose="020B0200000000000000" pitchFamily="50" charset="-127"/>
-                  <a:ea typeface="Noto Sans KR SemiBold" panose="020B0200000000000000" pitchFamily="50" charset="-127"/>
-                  <a:cs typeface="Segoe UI" panose="020B0502040204020203" pitchFamily="34" charset="0"/>
-                </a:rPr>
-                <a:t>변수 선택</a:t>
+                  <a:latin typeface="Arial Black" panose="020B0A04020102020204" pitchFamily="34" charset="0"/>
+                  <a:ea typeface="Noto Sans KR" panose="020B0200000000000000" pitchFamily="50" charset="-127"/>
+                  <a:cs typeface="Segoe UI" panose="020B0502040204020203" pitchFamily="34" charset="0"/>
+                </a:rPr>
+                <a:t>·</a:t>
+              </a:r>
+              <a:r>
+                <a:rPr lang="en-US" altLang="ko-KR" dirty="0">
+                  <a:solidFill>
+                    <a:schemeClr val="bg1"/>
+                  </a:solidFill>
+                  <a:latin typeface="Noto Sans KR" panose="020B0200000000000000" pitchFamily="50" charset="-127"/>
+                  <a:ea typeface="Noto Sans KR" panose="020B0200000000000000" pitchFamily="50" charset="-127"/>
+                  <a:cs typeface="Segoe UI" panose="020B0502040204020203" pitchFamily="34" charset="0"/>
+                </a:rPr>
+                <a:t> </a:t>
+              </a:r>
+              <a:r>
+                <a:rPr lang="ko-KR" altLang="en-US" dirty="0">
+                  <a:solidFill>
+                    <a:schemeClr val="bg1"/>
+                  </a:solidFill>
+                  <a:latin typeface="Noto Sans KR" panose="020B0200000000000000" pitchFamily="50" charset="-127"/>
+                  <a:ea typeface="Noto Sans KR" panose="020B0200000000000000" pitchFamily="50" charset="-127"/>
+                  <a:cs typeface="Segoe UI" panose="020B0502040204020203" pitchFamily="34" charset="0"/>
+                </a:rPr>
+                <a:t>시계열 데이터 처리</a:t>
               </a:r>
             </a:p>
           </p:txBody>
         </p:sp>
-        <p:pic>
-          <p:nvPicPr>
-            <p:cNvPr id="6" name="그림 5">
+        <p:sp>
+          <p:nvSpPr>
+            <p:cNvPr id="63" name="TextBox 62">
               <a:extLst>
                 <a:ext uri="{FF2B5EF4-FFF2-40B4-BE49-F238E27FC236}">
-                  <a16:creationId xmlns:a16="http://schemas.microsoft.com/office/drawing/2014/main" id="{F47ED6C9-B350-46AD-AE7D-954096AE9147}"/>
+                  <a16:creationId xmlns:a16="http://schemas.microsoft.com/office/drawing/2014/main" id="{DD1BED3F-90E2-4446-A917-7EF5D8BD86BB}"/>
                 </a:ext>
               </a:extLst>
             </p:cNvPr>
-            <p:cNvPicPr>
-              <a:picLocks noChangeAspect="1"/>
-            </p:cNvPicPr>
+            <p:cNvSpPr txBox="1"/>
             <p:nvPr/>
-          </p:nvPicPr>
-          <p:blipFill>
-            <a:blip r:embed="rId2">
-              <a:extLst>
-                <a:ext uri="{28A0092B-C50C-407E-A947-70E740481C1C}">
-                  <a14:useLocalDpi xmlns:a14="http://schemas.microsoft.com/office/drawing/2010/main" val="0"/>
-                </a:ext>
-              </a:extLst>
-            </a:blip>
-            <a:stretch>
-              <a:fillRect/>
-            </a:stretch>
-          </p:blipFill>
+          </p:nvSpPr>
           <p:spPr>
             <a:xfrm>
-              <a:off x="645277" y="1543848"/>
-              <a:ext cx="295275" cy="304800"/>
+              <a:off x="1325361" y="2193735"/>
+              <a:ext cx="5331909" cy="1077218"/>
             </a:xfrm>
             <a:prstGeom prst="rect">
               <a:avLst/>
             </a:prstGeom>
+            <a:noFill/>
           </p:spPr>
-        </p:pic>
-      </p:grpSp>
-      <p:sp>
-        <p:nvSpPr>
-          <p:cNvPr id="8" name="TextBox 7">
-            <a:extLst>
-              <a:ext uri="{FF2B5EF4-FFF2-40B4-BE49-F238E27FC236}">
-                <a16:creationId xmlns:a16="http://schemas.microsoft.com/office/drawing/2014/main" id="{C581DEC2-3CB6-40D7-96C8-B9645EE3A7A7}"/>
-              </a:ext>
-            </a:extLst>
-          </p:cNvPr>
-          <p:cNvSpPr txBox="1"/>
-          <p:nvPr/>
-        </p:nvSpPr>
-        <p:spPr>
-          <a:xfrm>
-            <a:off x="1182238" y="1824403"/>
-            <a:ext cx="1159292" cy="369332"/>
-          </a:xfrm>
-          <a:prstGeom prst="rect">
-            <a:avLst/>
-          </a:prstGeom>
-          <a:noFill/>
-        </p:spPr>
-        <p:txBody>
-          <a:bodyPr wrap="none" rtlCol="0">
-            <a:spAutoFit/>
-          </a:bodyPr>
-          <a:lstStyle/>
-          <a:p>
-            <a:r>
-              <a:rPr lang="en-US" altLang="ko-KR" b="1" dirty="0">
-                <a:solidFill>
-                  <a:schemeClr val="bg1"/>
-                </a:solidFill>
-                <a:latin typeface="Arial Black" panose="020B0A04020102020204" pitchFamily="34" charset="0"/>
-                <a:ea typeface="Noto Sans KR" panose="020B0200000000000000" pitchFamily="50" charset="-127"/>
-                <a:cs typeface="Segoe UI" panose="020B0502040204020203" pitchFamily="34" charset="0"/>
-              </a:rPr>
-              <a:t>·</a:t>
-            </a:r>
-            <a:r>
-              <a:rPr lang="ko-KR" altLang="en-US" dirty="0">
+          <p:txBody>
+            <a:bodyPr wrap="none" rtlCol="0">
+              <a:spAutoFit/>
+            </a:bodyPr>
+            <a:lstStyle/>
+            <a:p>
+              <a:pPr marL="285750" indent="-285750">
+                <a:buFontTx/>
+                <a:buChar char="-"/>
+              </a:pPr>
+              <a:r>
+                <a:rPr lang="ko-KR" altLang="en-US" sz="1400" dirty="0">
+                  <a:solidFill>
+                    <a:schemeClr val="bg1"/>
+                  </a:solidFill>
+                  <a:latin typeface="Noto Sans KR" panose="020B0200000000000000" pitchFamily="50" charset="-127"/>
+                  <a:ea typeface="Noto Sans KR" panose="020B0200000000000000" pitchFamily="50" charset="-127"/>
+                  <a:cs typeface="Segoe UI" panose="020B0502040204020203" pitchFamily="34" charset="0"/>
+                </a:rPr>
+                <a:t>데이터의 연속성을 유지하면서 결측값 처리</a:t>
+              </a:r>
+              <a:endParaRPr lang="en-US" altLang="ko-KR" sz="1400" dirty="0">
                 <a:solidFill>
                   <a:schemeClr val="bg1"/>
                 </a:solidFill>
                 <a:latin typeface="Noto Sans KR" panose="020B0200000000000000" pitchFamily="50" charset="-127"/>
                 <a:ea typeface="Noto Sans KR" panose="020B0200000000000000" pitchFamily="50" charset="-127"/>
                 <a:cs typeface="Segoe UI" panose="020B0502040204020203" pitchFamily="34" charset="0"/>
-              </a:rPr>
-              <a:t> 상관관계</a:t>
-            </a:r>
-          </a:p>
-        </p:txBody>
-      </p:sp>
-      <p:sp>
-        <p:nvSpPr>
-          <p:cNvPr id="12" name="TextBox 11">
-            <a:extLst>
-              <a:ext uri="{FF2B5EF4-FFF2-40B4-BE49-F238E27FC236}">
-                <a16:creationId xmlns:a16="http://schemas.microsoft.com/office/drawing/2014/main" id="{205E899C-FCC2-4283-8D97-D098356C672F}"/>
-              </a:ext>
-            </a:extLst>
-          </p:cNvPr>
-          <p:cNvSpPr txBox="1"/>
-          <p:nvPr/>
-        </p:nvSpPr>
-        <p:spPr>
-          <a:xfrm>
-            <a:off x="6351156" y="1824403"/>
-            <a:ext cx="1896673" cy="369332"/>
-          </a:xfrm>
-          <a:prstGeom prst="rect">
-            <a:avLst/>
-          </a:prstGeom>
-          <a:noFill/>
-        </p:spPr>
-        <p:txBody>
-          <a:bodyPr wrap="none" rtlCol="0">
-            <a:spAutoFit/>
-          </a:bodyPr>
-          <a:lstStyle/>
-          <a:p>
-            <a:r>
-              <a:rPr lang="en-US" altLang="ko-KR" b="1" dirty="0">
-                <a:solidFill>
-                  <a:schemeClr val="bg1"/>
-                </a:solidFill>
-                <a:latin typeface="Arial Black" panose="020B0A04020102020204" pitchFamily="34" charset="0"/>
-                <a:ea typeface="Noto Sans KR" panose="020B0200000000000000" pitchFamily="50" charset="-127"/>
-                <a:cs typeface="Segoe UI" panose="020B0502040204020203" pitchFamily="34" charset="0"/>
-              </a:rPr>
-              <a:t>·</a:t>
-            </a:r>
-            <a:r>
-              <a:rPr lang="ko-KR" altLang="en-US" dirty="0">
+              </a:endParaRPr>
+            </a:p>
+            <a:p>
+              <a:pPr marL="285750" indent="-285750">
+                <a:buFontTx/>
+                <a:buChar char="-"/>
+              </a:pPr>
+              <a:endParaRPr lang="en-US" altLang="ko-KR" sz="1400" dirty="0">
                 <a:solidFill>
                   <a:schemeClr val="bg1"/>
                 </a:solidFill>
                 <a:latin typeface="Noto Sans KR" panose="020B0200000000000000" pitchFamily="50" charset="-127"/>
                 <a:ea typeface="Noto Sans KR" panose="020B0200000000000000" pitchFamily="50" charset="-127"/>
                 <a:cs typeface="Segoe UI" panose="020B0502040204020203" pitchFamily="34" charset="0"/>
-              </a:rPr>
-              <a:t> 변수 중요도 확인</a:t>
-            </a:r>
-          </a:p>
-        </p:txBody>
-      </p:sp>
+              </a:endParaRPr>
+            </a:p>
+            <a:p>
+              <a:pPr marL="285750" indent="-285750">
+                <a:buFontTx/>
+                <a:buChar char="-"/>
+              </a:pPr>
+              <a:endParaRPr lang="en-US" altLang="ko-KR" sz="1400" dirty="0">
+                <a:solidFill>
+                  <a:schemeClr val="bg1"/>
+                </a:solidFill>
+                <a:latin typeface="Noto Sans KR" panose="020B0200000000000000" pitchFamily="50" charset="-127"/>
+                <a:ea typeface="Noto Sans KR" panose="020B0200000000000000" pitchFamily="50" charset="-127"/>
+                <a:cs typeface="Segoe UI" panose="020B0502040204020203" pitchFamily="34" charset="0"/>
+              </a:endParaRPr>
+            </a:p>
+            <a:p>
+              <a:pPr marL="285750" indent="-285750">
+                <a:buFontTx/>
+                <a:buChar char="-"/>
+              </a:pPr>
+              <a:endParaRPr lang="en-US" altLang="ko-KR" sz="900" dirty="0">
+                <a:solidFill>
+                  <a:schemeClr val="bg1"/>
+                </a:solidFill>
+                <a:latin typeface="Noto Sans KR" panose="020B0200000000000000" pitchFamily="50" charset="-127"/>
+                <a:ea typeface="Noto Sans KR" panose="020B0200000000000000" pitchFamily="50" charset="-127"/>
+                <a:cs typeface="Segoe UI" panose="020B0502040204020203" pitchFamily="34" charset="0"/>
+              </a:endParaRPr>
+            </a:p>
+            <a:p>
+              <a:r>
+                <a:rPr lang="ko-KR" altLang="en-US" sz="1200" dirty="0">
+                  <a:solidFill>
+                    <a:srgbClr val="AFABAB"/>
+                  </a:solidFill>
+                  <a:latin typeface="Noto Sans KR Light" panose="020B0200000000000000" pitchFamily="50" charset="-127"/>
+                  <a:ea typeface="Noto Sans KR Light" panose="020B0200000000000000" pitchFamily="50" charset="-127"/>
+                  <a:cs typeface="Segoe UI" panose="020B0502040204020203" pitchFamily="34" charset="0"/>
+                </a:rPr>
+                <a:t>        </a:t>
+              </a:r>
+              <a:r>
+                <a:rPr lang="en-US" altLang="ko-KR" sz="1200" dirty="0">
+                  <a:solidFill>
+                    <a:srgbClr val="AFABAB"/>
+                  </a:solidFill>
+                  <a:latin typeface="Noto Sans KR Light" panose="020B0200000000000000" pitchFamily="50" charset="-127"/>
+                  <a:ea typeface="Noto Sans KR Light" panose="020B0200000000000000" pitchFamily="50" charset="-127"/>
+                  <a:cs typeface="Segoe UI" panose="020B0502040204020203" pitchFamily="34" charset="0"/>
+                </a:rPr>
+                <a:t>(</a:t>
+              </a:r>
+              <a:r>
+                <a:rPr lang="ko-KR" altLang="en-US" sz="1200" dirty="0">
+                  <a:solidFill>
+                    <a:srgbClr val="AFABAB"/>
+                  </a:solidFill>
+                  <a:latin typeface="Noto Sans KR Light" panose="020B0200000000000000" pitchFamily="50" charset="-127"/>
+                  <a:ea typeface="Noto Sans KR Light" panose="020B0200000000000000" pitchFamily="50" charset="-127"/>
+                  <a:cs typeface="Segoe UI" panose="020B0502040204020203" pitchFamily="34" charset="0"/>
+                </a:rPr>
+                <a:t>월별 평균을 계산하고</a:t>
+              </a:r>
+              <a:r>
+                <a:rPr lang="en-US" altLang="ko-KR" sz="1200" dirty="0">
+                  <a:solidFill>
+                    <a:srgbClr val="AFABAB"/>
+                  </a:solidFill>
+                  <a:latin typeface="Noto Sans KR Light" panose="020B0200000000000000" pitchFamily="50" charset="-127"/>
+                  <a:ea typeface="Noto Sans KR Light" panose="020B0200000000000000" pitchFamily="50" charset="-127"/>
+                  <a:cs typeface="Segoe UI" panose="020B0502040204020203" pitchFamily="34" charset="0"/>
+                </a:rPr>
+                <a:t>, </a:t>
+              </a:r>
+              <a:r>
+                <a:rPr lang="ko-KR" altLang="en-US" sz="1200" dirty="0">
+                  <a:solidFill>
+                    <a:srgbClr val="AFABAB"/>
+                  </a:solidFill>
+                  <a:latin typeface="Noto Sans KR Light" panose="020B0200000000000000" pitchFamily="50" charset="-127"/>
+                  <a:ea typeface="Noto Sans KR Light" panose="020B0200000000000000" pitchFamily="50" charset="-127"/>
+                  <a:cs typeface="Segoe UI" panose="020B0502040204020203" pitchFamily="34" charset="0"/>
+                </a:rPr>
+                <a:t>결과에 결측값이 있을 경우 선형 보간을 통해 이를 보완</a:t>
+              </a:r>
+              <a:r>
+                <a:rPr lang="en-US" altLang="ko-KR" sz="1200" dirty="0">
+                  <a:solidFill>
+                    <a:srgbClr val="AFABAB"/>
+                  </a:solidFill>
+                  <a:latin typeface="Noto Sans KR Light" panose="020B0200000000000000" pitchFamily="50" charset="-127"/>
+                  <a:ea typeface="Noto Sans KR Light" panose="020B0200000000000000" pitchFamily="50" charset="-127"/>
+                  <a:cs typeface="Segoe UI" panose="020B0502040204020203" pitchFamily="34" charset="0"/>
+                </a:rPr>
+                <a:t>)</a:t>
+              </a:r>
+              <a:endParaRPr lang="ko-KR" altLang="en-US" sz="1200" dirty="0">
+                <a:solidFill>
+                  <a:srgbClr val="AFABAB"/>
+                </a:solidFill>
+                <a:latin typeface="Noto Sans KR Light" panose="020B0200000000000000" pitchFamily="50" charset="-127"/>
+                <a:ea typeface="Noto Sans KR Light" panose="020B0200000000000000" pitchFamily="50" charset="-127"/>
+                <a:cs typeface="Segoe UI" panose="020B0502040204020203" pitchFamily="34" charset="0"/>
+              </a:endParaRPr>
+            </a:p>
+          </p:txBody>
+        </p:sp>
+      </p:grpSp>
+      <p:pic>
+        <p:nvPicPr>
+          <p:cNvPr id="3" name="그림 2">
+            <a:extLst>
+              <a:ext uri="{FF2B5EF4-FFF2-40B4-BE49-F238E27FC236}">
+                <a16:creationId xmlns:a16="http://schemas.microsoft.com/office/drawing/2014/main" id="{AE0B4619-942E-4015-BAB8-01DC5578AB5C}"/>
+              </a:ext>
+            </a:extLst>
+          </p:cNvPr>
+          <p:cNvPicPr>
+            <a:picLocks noChangeAspect="1"/>
+          </p:cNvPicPr>
+          <p:nvPr/>
+        </p:nvPicPr>
+        <p:blipFill rotWithShape="1">
+          <a:blip r:embed="rId4">
+            <a:extLst>
+              <a:ext uri="{28A0092B-C50C-407E-A947-70E740481C1C}">
+                <a14:useLocalDpi xmlns:a14="http://schemas.microsoft.com/office/drawing/2010/main" val="0"/>
+              </a:ext>
+            </a:extLst>
+          </a:blip>
+          <a:srcRect t="17520" b="16139"/>
+          <a:stretch/>
+        </p:blipFill>
+        <p:spPr>
+          <a:xfrm>
+            <a:off x="1668583" y="4011447"/>
+            <a:ext cx="5257004" cy="469588"/>
+          </a:xfrm>
+          <a:prstGeom prst="rect">
+            <a:avLst/>
+          </a:prstGeom>
+        </p:spPr>
+      </p:pic>
+      <p:pic>
+        <p:nvPicPr>
+          <p:cNvPr id="7" name="그림 6">
+            <a:extLst>
+              <a:ext uri="{FF2B5EF4-FFF2-40B4-BE49-F238E27FC236}">
+                <a16:creationId xmlns:a16="http://schemas.microsoft.com/office/drawing/2014/main" id="{9EB12FB5-A309-4EE1-BFD2-48D6B0D67811}"/>
+              </a:ext>
+            </a:extLst>
+          </p:cNvPr>
+          <p:cNvPicPr>
+            <a:picLocks noChangeAspect="1"/>
+          </p:cNvPicPr>
+          <p:nvPr/>
+        </p:nvPicPr>
+        <p:blipFill>
+          <a:blip r:embed="rId5">
+            <a:extLst>
+              <a:ext uri="{28A0092B-C50C-407E-A947-70E740481C1C}">
+                <a14:useLocalDpi xmlns:a14="http://schemas.microsoft.com/office/drawing/2010/main" val="0"/>
+              </a:ext>
+            </a:extLst>
+          </a:blip>
+          <a:stretch>
+            <a:fillRect/>
+          </a:stretch>
+        </p:blipFill>
+        <p:spPr>
+          <a:xfrm>
+            <a:off x="1668583" y="4920344"/>
+            <a:ext cx="1839915" cy="1379936"/>
+          </a:xfrm>
+          <a:prstGeom prst="rect">
+            <a:avLst/>
+          </a:prstGeom>
+        </p:spPr>
+      </p:pic>
+      <p:pic>
+        <p:nvPicPr>
+          <p:cNvPr id="13" name="그림 12">
+            <a:extLst>
+              <a:ext uri="{FF2B5EF4-FFF2-40B4-BE49-F238E27FC236}">
+                <a16:creationId xmlns:a16="http://schemas.microsoft.com/office/drawing/2014/main" id="{29679B76-B884-441A-A0E7-6F1DC44A50FA}"/>
+              </a:ext>
+            </a:extLst>
+          </p:cNvPr>
+          <p:cNvPicPr>
+            <a:picLocks noChangeAspect="1"/>
+          </p:cNvPicPr>
+          <p:nvPr/>
+        </p:nvPicPr>
+        <p:blipFill rotWithShape="1">
+          <a:blip r:embed="rId6">
+            <a:extLst>
+              <a:ext uri="{28A0092B-C50C-407E-A947-70E740481C1C}">
+                <a14:useLocalDpi xmlns:a14="http://schemas.microsoft.com/office/drawing/2010/main" val="0"/>
+              </a:ext>
+            </a:extLst>
+          </a:blip>
+          <a:srcRect l="2839" r="3655" b="7921"/>
+          <a:stretch/>
+        </p:blipFill>
+        <p:spPr>
+          <a:xfrm>
+            <a:off x="4474131" y="4920344"/>
+            <a:ext cx="1990990" cy="1379936"/>
+          </a:xfrm>
+          <a:prstGeom prst="rect">
+            <a:avLst/>
+          </a:prstGeom>
+        </p:spPr>
+      </p:pic>
+      <p:pic>
+        <p:nvPicPr>
+          <p:cNvPr id="22" name="그림 21">
+            <a:extLst>
+              <a:ext uri="{FF2B5EF4-FFF2-40B4-BE49-F238E27FC236}">
+                <a16:creationId xmlns:a16="http://schemas.microsoft.com/office/drawing/2014/main" id="{4F0D3A07-B491-4E76-A43D-23B52DA5AF39}"/>
+              </a:ext>
+            </a:extLst>
+          </p:cNvPr>
+          <p:cNvPicPr>
+            <a:picLocks noChangeAspect="1"/>
+          </p:cNvPicPr>
+          <p:nvPr/>
+        </p:nvPicPr>
+        <p:blipFill>
+          <a:blip r:embed="rId7">
+            <a:extLst>
+              <a:ext uri="{28A0092B-C50C-407E-A947-70E740481C1C}">
+                <a14:useLocalDpi xmlns:a14="http://schemas.microsoft.com/office/drawing/2010/main" val="0"/>
+              </a:ext>
+            </a:extLst>
+          </a:blip>
+          <a:stretch>
+            <a:fillRect/>
+          </a:stretch>
+        </p:blipFill>
+        <p:spPr>
+          <a:xfrm>
+            <a:off x="3576977" y="5248362"/>
+            <a:ext cx="828675" cy="723900"/>
+          </a:xfrm>
+          <a:prstGeom prst="rect">
+            <a:avLst/>
+          </a:prstGeom>
+        </p:spPr>
+      </p:pic>
     </p:spTree>
     <p:extLst>
       <p:ext uri="{BB962C8B-B14F-4D97-AF65-F5344CB8AC3E}">
-        <p14:creationId xmlns:p14="http://schemas.microsoft.com/office/powerpoint/2010/main" val="1567460227"/>
+        <p14:creationId xmlns:p14="http://schemas.microsoft.com/office/powerpoint/2010/main" val="2132237164"/>
       </p:ext>
     </p:extLst>
   </p:cSld>
